--- a/Presentación zapatillas Crossfit.pptx
+++ b/Presentación zapatillas Crossfit.pptx
@@ -811,7 +811,7 @@
   <p:cSld>
     <p:spTree>
       <p:nvGrpSpPr>
-        <p:cNvPr id="140" name="Shape 140"/>
+        <p:cNvPr id="147" name="Shape 147"/>
         <p:cNvGrpSpPr/>
         <p:nvPr/>
       </p:nvGrpSpPr>
@@ -825,7 +825,7 @@
       </p:grpSpPr>
       <p:sp>
         <p:nvSpPr>
-          <p:cNvPr id="141" name="Google Shape;141;gc6f980f91_0_105:notes"/>
+          <p:cNvPr id="148" name="Google Shape;148;gc6f980f91_0_105:notes"/>
           <p:cNvSpPr/>
           <p:nvPr>
             <p:ph idx="2" type="sldImg"/>
@@ -860,7 +860,7 @@
       </p:sp>
       <p:sp>
         <p:nvSpPr>
-          <p:cNvPr id="142" name="Google Shape;142;gc6f980f91_0_105:notes"/>
+          <p:cNvPr id="149" name="Google Shape;149;gc6f980f91_0_105:notes"/>
           <p:cNvSpPr txBox="1"/>
           <p:nvPr>
             <p:ph idx="1" type="body"/>
@@ -910,7 +910,7 @@
   <p:cSld>
     <p:spTree>
       <p:nvGrpSpPr>
-        <p:cNvPr id="148" name="Shape 148"/>
+        <p:cNvPr id="156" name="Shape 156"/>
         <p:cNvGrpSpPr/>
         <p:nvPr/>
       </p:nvGrpSpPr>
@@ -924,7 +924,7 @@
       </p:grpSpPr>
       <p:sp>
         <p:nvSpPr>
-          <p:cNvPr id="149" name="Google Shape;149;gc6f980f91_0_122:notes"/>
+          <p:cNvPr id="157" name="Google Shape;157;gc6f980f91_0_122:notes"/>
           <p:cNvSpPr/>
           <p:nvPr>
             <p:ph idx="2" type="sldImg"/>
@@ -959,7 +959,7 @@
       </p:sp>
       <p:sp>
         <p:nvSpPr>
-          <p:cNvPr id="150" name="Google Shape;150;gc6f980f91_0_122:notes"/>
+          <p:cNvPr id="158" name="Google Shape;158;gc6f980f91_0_122:notes"/>
           <p:cNvSpPr txBox="1"/>
           <p:nvPr>
             <p:ph idx="1" type="body"/>
@@ -1108,7 +1108,7 @@
   <p:cSld>
     <p:spTree>
       <p:nvGrpSpPr>
-        <p:cNvPr id="68" name="Shape 68"/>
+        <p:cNvPr id="69" name="Shape 69"/>
         <p:cNvGrpSpPr/>
         <p:nvPr/>
       </p:nvGrpSpPr>
@@ -1122,7 +1122,7 @@
       </p:grpSpPr>
       <p:sp>
         <p:nvSpPr>
-          <p:cNvPr id="69" name="Google Shape;69;gc6f980f91_0_5:notes"/>
+          <p:cNvPr id="70" name="Google Shape;70;gc6f980f91_0_5:notes"/>
           <p:cNvSpPr/>
           <p:nvPr>
             <p:ph idx="2" type="sldImg"/>
@@ -1157,7 +1157,7 @@
       </p:sp>
       <p:sp>
         <p:nvSpPr>
-          <p:cNvPr id="70" name="Google Shape;70;gc6f980f91_0_5:notes"/>
+          <p:cNvPr id="71" name="Google Shape;71;gc6f980f91_0_5:notes"/>
           <p:cNvSpPr txBox="1"/>
           <p:nvPr>
             <p:ph idx="1" type="body"/>
@@ -1207,7 +1207,7 @@
   <p:cSld>
     <p:spTree>
       <p:nvGrpSpPr>
-        <p:cNvPr id="74" name="Shape 74"/>
+        <p:cNvPr id="76" name="Shape 76"/>
         <p:cNvGrpSpPr/>
         <p:nvPr/>
       </p:nvGrpSpPr>
@@ -1221,7 +1221,7 @@
       </p:grpSpPr>
       <p:sp>
         <p:nvSpPr>
-          <p:cNvPr id="75" name="Google Shape;75;gc6f980f91_0_10:notes"/>
+          <p:cNvPr id="77" name="Google Shape;77;gc6f980f91_0_10:notes"/>
           <p:cNvSpPr/>
           <p:nvPr>
             <p:ph idx="2" type="sldImg"/>
@@ -1256,7 +1256,7 @@
       </p:sp>
       <p:sp>
         <p:nvSpPr>
-          <p:cNvPr id="76" name="Google Shape;76;gc6f980f91_0_10:notes"/>
+          <p:cNvPr id="78" name="Google Shape;78;gc6f980f91_0_10:notes"/>
           <p:cNvSpPr txBox="1"/>
           <p:nvPr>
             <p:ph idx="1" type="body"/>
@@ -1306,7 +1306,7 @@
   <p:cSld>
     <p:spTree>
       <p:nvGrpSpPr>
-        <p:cNvPr id="94" name="Shape 94"/>
+        <p:cNvPr id="99" name="Shape 99"/>
         <p:cNvGrpSpPr/>
         <p:nvPr/>
       </p:nvGrpSpPr>
@@ -1320,7 +1320,7 @@
       </p:grpSpPr>
       <p:sp>
         <p:nvSpPr>
-          <p:cNvPr id="95" name="Google Shape;95;gc6f980f91_0_37:notes"/>
+          <p:cNvPr id="100" name="Google Shape;100;gc6f980f91_0_37:notes"/>
           <p:cNvSpPr/>
           <p:nvPr>
             <p:ph idx="2" type="sldImg"/>
@@ -1355,7 +1355,7 @@
       </p:sp>
       <p:sp>
         <p:nvSpPr>
-          <p:cNvPr id="96" name="Google Shape;96;gc6f980f91_0_37:notes"/>
+          <p:cNvPr id="101" name="Google Shape;101;gc6f980f91_0_37:notes"/>
           <p:cNvSpPr txBox="1"/>
           <p:nvPr>
             <p:ph idx="1" type="body"/>
@@ -1405,7 +1405,7 @@
   <p:cSld>
     <p:spTree>
       <p:nvGrpSpPr>
-        <p:cNvPr id="101" name="Shape 101"/>
+        <p:cNvPr id="106" name="Shape 106"/>
         <p:cNvGrpSpPr/>
         <p:nvPr/>
       </p:nvGrpSpPr>
@@ -1419,7 +1419,7 @@
       </p:grpSpPr>
       <p:sp>
         <p:nvSpPr>
-          <p:cNvPr id="102" name="Google Shape;102;gc6f980f91_0_33:notes"/>
+          <p:cNvPr id="107" name="Google Shape;107;gc6f980f91_0_33:notes"/>
           <p:cNvSpPr/>
           <p:nvPr>
             <p:ph idx="2" type="sldImg"/>
@@ -1454,7 +1454,7 @@
       </p:sp>
       <p:sp>
         <p:nvSpPr>
-          <p:cNvPr id="103" name="Google Shape;103;gc6f980f91_0_33:notes"/>
+          <p:cNvPr id="108" name="Google Shape;108;gc6f980f91_0_33:notes"/>
           <p:cNvSpPr txBox="1"/>
           <p:nvPr>
             <p:ph idx="1" type="body"/>
@@ -1504,7 +1504,7 @@
   <p:cSld>
     <p:spTree>
       <p:nvGrpSpPr>
-        <p:cNvPr id="110" name="Shape 110"/>
+        <p:cNvPr id="115" name="Shape 115"/>
         <p:cNvGrpSpPr/>
         <p:nvPr/>
       </p:nvGrpSpPr>
@@ -1518,7 +1518,7 @@
       </p:grpSpPr>
       <p:sp>
         <p:nvSpPr>
-          <p:cNvPr id="111" name="Google Shape;111;gc6f980f91_0_48:notes"/>
+          <p:cNvPr id="116" name="Google Shape;116;gc6f980f91_0_48:notes"/>
           <p:cNvSpPr/>
           <p:nvPr>
             <p:ph idx="2" type="sldImg"/>
@@ -1553,7 +1553,7 @@
       </p:sp>
       <p:sp>
         <p:nvSpPr>
-          <p:cNvPr id="112" name="Google Shape;112;gc6f980f91_0_48:notes"/>
+          <p:cNvPr id="117" name="Google Shape;117;gc6f980f91_0_48:notes"/>
           <p:cNvSpPr txBox="1"/>
           <p:nvPr>
             <p:ph idx="1" type="body"/>
@@ -1603,7 +1603,7 @@
   <p:cSld>
     <p:spTree>
       <p:nvGrpSpPr>
-        <p:cNvPr id="118" name="Shape 118"/>
+        <p:cNvPr id="123" name="Shape 123"/>
         <p:cNvGrpSpPr/>
         <p:nvPr/>
       </p:nvGrpSpPr>
@@ -1617,7 +1617,7 @@
       </p:grpSpPr>
       <p:sp>
         <p:nvSpPr>
-          <p:cNvPr id="119" name="Google Shape;119;g2d5ec53de7f_0_16:notes"/>
+          <p:cNvPr id="124" name="Google Shape;124;g2d5ec53de7f_0_16:notes"/>
           <p:cNvSpPr/>
           <p:nvPr>
             <p:ph idx="2" type="sldImg"/>
@@ -1652,7 +1652,7 @@
       </p:sp>
       <p:sp>
         <p:nvSpPr>
-          <p:cNvPr id="120" name="Google Shape;120;g2d5ec53de7f_0_16:notes"/>
+          <p:cNvPr id="125" name="Google Shape;125;g2d5ec53de7f_0_16:notes"/>
           <p:cNvSpPr txBox="1"/>
           <p:nvPr>
             <p:ph idx="1" type="body"/>
@@ -1702,7 +1702,7 @@
   <p:cSld>
     <p:spTree>
       <p:nvGrpSpPr>
-        <p:cNvPr id="126" name="Shape 126"/>
+        <p:cNvPr id="131" name="Shape 131"/>
         <p:cNvGrpSpPr/>
         <p:nvPr/>
       </p:nvGrpSpPr>
@@ -1716,7 +1716,7 @@
       </p:grpSpPr>
       <p:sp>
         <p:nvSpPr>
-          <p:cNvPr id="127" name="Google Shape;127;gc6f980f91_0_81:notes"/>
+          <p:cNvPr id="132" name="Google Shape;132;gc6f980f91_0_81:notes"/>
           <p:cNvSpPr/>
           <p:nvPr>
             <p:ph idx="2" type="sldImg"/>
@@ -1751,7 +1751,7 @@
       </p:sp>
       <p:sp>
         <p:nvSpPr>
-          <p:cNvPr id="128" name="Google Shape;128;gc6f980f91_0_81:notes"/>
+          <p:cNvPr id="133" name="Google Shape;133;gc6f980f91_0_81:notes"/>
           <p:cNvSpPr txBox="1"/>
           <p:nvPr>
             <p:ph idx="1" type="body"/>
@@ -7230,7 +7230,7 @@
   <p:cSld>
     <p:spTree>
       <p:nvGrpSpPr>
-        <p:cNvPr id="143" name="Shape 143"/>
+        <p:cNvPr id="150" name="Shape 150"/>
         <p:cNvGrpSpPr/>
         <p:nvPr/>
       </p:nvGrpSpPr>
@@ -7244,7 +7244,7 @@
       </p:grpSpPr>
       <p:sp>
         <p:nvSpPr>
-          <p:cNvPr id="144" name="Google Shape;144;p22"/>
+          <p:cNvPr id="151" name="Google Shape;151;p22"/>
           <p:cNvSpPr txBox="1"/>
           <p:nvPr>
             <p:ph type="title"/>
@@ -7296,7 +7296,7 @@
       </p:sp>
       <p:sp>
         <p:nvSpPr>
-          <p:cNvPr id="145" name="Google Shape;145;p22"/>
+          <p:cNvPr id="152" name="Google Shape;152;p22"/>
           <p:cNvSpPr txBox="1"/>
           <p:nvPr>
             <p:ph idx="1" type="subTitle"/>
@@ -7418,7 +7418,7 @@
       </p:sp>
       <p:sp>
         <p:nvSpPr>
-          <p:cNvPr id="146" name="Google Shape;146;p22"/>
+          <p:cNvPr id="153" name="Google Shape;153;p22"/>
           <p:cNvSpPr txBox="1"/>
           <p:nvPr>
             <p:ph idx="2" type="body"/>
@@ -7427,7 +7427,7 @@
         <p:spPr>
           <a:xfrm>
             <a:off x="4572000" y="0"/>
-            <a:ext cx="4572000" cy="5089500"/>
+            <a:ext cx="4572000" cy="5143500"/>
           </a:xfrm>
           <a:prstGeom prst="rect">
             <a:avLst/>
@@ -7525,7 +7525,7 @@
       </p:sp>
       <p:sp>
         <p:nvSpPr>
-          <p:cNvPr id="147" name="Google Shape;147;p22"/>
+          <p:cNvPr id="154" name="Google Shape;154;p22"/>
           <p:cNvSpPr txBox="1"/>
           <p:nvPr>
             <p:ph type="title"/>
@@ -7575,6 +7575,34 @@
           </a:p>
         </p:txBody>
       </p:sp>
+      <p:pic>
+        <p:nvPicPr>
+          <p:cNvPr descr="Para hacer posible lo imposible Stock de Foto gratis - Public ..." id="155" name="Google Shape;155;p22"/>
+          <p:cNvPicPr preferRelativeResize="0"/>
+          <p:nvPr/>
+        </p:nvPicPr>
+        <p:blipFill>
+          <a:blip r:embed="rId3">
+            <a:alphaModFix/>
+          </a:blip>
+          <a:stretch>
+            <a:fillRect/>
+          </a:stretch>
+        </p:blipFill>
+        <p:spPr>
+          <a:xfrm>
+            <a:off x="3078949" y="3819049"/>
+            <a:ext cx="2818450" cy="1324450"/>
+          </a:xfrm>
+          <a:prstGeom prst="rect">
+            <a:avLst/>
+          </a:prstGeom>
+          <a:noFill/>
+          <a:ln>
+            <a:noFill/>
+          </a:ln>
+        </p:spPr>
+      </p:pic>
     </p:spTree>
   </p:cSld>
   <p:clrMapOvr>
@@ -7595,7 +7623,7 @@
     </p:bg>
     <p:spTree>
       <p:nvGrpSpPr>
-        <p:cNvPr id="151" name="Shape 151"/>
+        <p:cNvPr id="159" name="Shape 159"/>
         <p:cNvGrpSpPr/>
         <p:nvPr/>
       </p:nvGrpSpPr>
@@ -7609,7 +7637,7 @@
       </p:grpSpPr>
       <p:sp>
         <p:nvSpPr>
-          <p:cNvPr id="152" name="Google Shape;152;p23"/>
+          <p:cNvPr id="160" name="Google Shape;160;p23"/>
           <p:cNvSpPr/>
           <p:nvPr/>
         </p:nvSpPr>
@@ -7652,7 +7680,7 @@
       </p:sp>
       <p:sp>
         <p:nvSpPr>
-          <p:cNvPr id="153" name="Google Shape;153;p23"/>
+          <p:cNvPr id="161" name="Google Shape;161;p23"/>
           <p:cNvSpPr txBox="1"/>
           <p:nvPr>
             <p:ph idx="4294967295" type="title"/>
@@ -7700,7 +7728,7 @@
       </p:sp>
       <p:pic>
         <p:nvPicPr>
-          <p:cNvPr id="154" name="Google Shape;154;p23"/>
+          <p:cNvPr id="162" name="Google Shape;162;p23"/>
           <p:cNvPicPr preferRelativeResize="0"/>
           <p:nvPr/>
         </p:nvPicPr>
@@ -7727,7 +7755,7 @@
       </p:pic>
       <p:sp>
         <p:nvSpPr>
-          <p:cNvPr id="155" name="Google Shape;155;p23"/>
+          <p:cNvPr id="163" name="Google Shape;163;p23"/>
           <p:cNvSpPr txBox="1"/>
           <p:nvPr>
             <p:ph idx="4294967295" type="body"/>
@@ -7778,7 +7806,7 @@
       </p:sp>
       <p:cxnSp>
         <p:nvCxnSpPr>
-          <p:cNvPr id="156" name="Google Shape;156;p23"/>
+          <p:cNvPr id="164" name="Google Shape;164;p23"/>
           <p:cNvCxnSpPr/>
           <p:nvPr/>
         </p:nvCxnSpPr>
@@ -7804,7 +7832,7 @@
       </p:cxnSp>
       <p:sp>
         <p:nvSpPr>
-          <p:cNvPr id="157" name="Google Shape;157;p23">
+          <p:cNvPr id="165" name="Google Shape;165;p23">
             <a:hlinkClick r:id="rId4"/>
           </p:cNvPr>
           <p:cNvSpPr/>
@@ -7881,7 +7909,7 @@
       </p:sp>
       <p:sp>
         <p:nvSpPr>
-          <p:cNvPr id="158" name="Google Shape;158;p23"/>
+          <p:cNvPr id="166" name="Google Shape;166;p23"/>
           <p:cNvSpPr/>
           <p:nvPr/>
         </p:nvSpPr>
@@ -8273,6 +8301,34 @@
           </a:p>
         </p:txBody>
       </p:sp>
+      <p:pic>
+        <p:nvPicPr>
+          <p:cNvPr descr="File:Colombia road sign SP-40-R (old).svg - Wikimedia Commons" id="68" name="Google Shape;68;p14"/>
+          <p:cNvPicPr preferRelativeResize="0"/>
+          <p:nvPr/>
+        </p:nvPicPr>
+        <p:blipFill>
+          <a:blip r:embed="rId3">
+            <a:alphaModFix/>
+          </a:blip>
+          <a:stretch>
+            <a:fillRect/>
+          </a:stretch>
+        </p:blipFill>
+        <p:spPr>
+          <a:xfrm>
+            <a:off x="140925" y="2184451"/>
+            <a:ext cx="2840699" cy="955700"/>
+          </a:xfrm>
+          <a:prstGeom prst="rect">
+            <a:avLst/>
+          </a:prstGeom>
+          <a:noFill/>
+          <a:ln>
+            <a:noFill/>
+          </a:ln>
+        </p:spPr>
+      </p:pic>
     </p:spTree>
   </p:cSld>
   <p:clrMapOvr>
@@ -8293,7 +8349,7 @@
     </p:bg>
     <p:spTree>
       <p:nvGrpSpPr>
-        <p:cNvPr id="71" name="Shape 71"/>
+        <p:cNvPr id="72" name="Shape 72"/>
         <p:cNvGrpSpPr/>
         <p:nvPr/>
       </p:nvGrpSpPr>
@@ -8307,7 +8363,7 @@
       </p:grpSpPr>
       <p:sp>
         <p:nvSpPr>
-          <p:cNvPr id="72" name="Google Shape;72;p15"/>
+          <p:cNvPr id="73" name="Google Shape;73;p15"/>
           <p:cNvSpPr txBox="1"/>
           <p:nvPr>
             <p:ph type="title"/>
@@ -8377,7 +8433,7 @@
       </p:sp>
       <p:sp>
         <p:nvSpPr>
-          <p:cNvPr id="73" name="Google Shape;73;p15"/>
+          <p:cNvPr id="74" name="Google Shape;74;p15"/>
           <p:cNvSpPr txBox="1"/>
           <p:nvPr>
             <p:ph idx="1" type="body"/>
@@ -8576,6 +8632,34 @@
           </a:p>
         </p:txBody>
       </p:sp>
+      <p:pic>
+        <p:nvPicPr>
+          <p:cNvPr descr="Tablero de dardos Stock de Foto gratis - Public Domain Pictures" id="75" name="Google Shape;75;p15"/>
+          <p:cNvPicPr preferRelativeResize="0"/>
+          <p:nvPr/>
+        </p:nvPicPr>
+        <p:blipFill>
+          <a:blip r:embed="rId3">
+            <a:alphaModFix/>
+          </a:blip>
+          <a:stretch>
+            <a:fillRect/>
+          </a:stretch>
+        </p:blipFill>
+        <p:spPr>
+          <a:xfrm>
+            <a:off x="6657391" y="294066"/>
+            <a:ext cx="1870475" cy="1402100"/>
+          </a:xfrm>
+          <a:prstGeom prst="rect">
+            <a:avLst/>
+          </a:prstGeom>
+          <a:noFill/>
+          <a:ln>
+            <a:noFill/>
+          </a:ln>
+        </p:spPr>
+      </p:pic>
     </p:spTree>
   </p:cSld>
   <p:clrMapOvr>
@@ -8589,7 +8673,7 @@
   <p:cSld>
     <p:spTree>
       <p:nvGrpSpPr>
-        <p:cNvPr id="77" name="Shape 77"/>
+        <p:cNvPr id="79" name="Shape 79"/>
         <p:cNvGrpSpPr/>
         <p:nvPr/>
       </p:nvGrpSpPr>
@@ -8603,7 +8687,7 @@
       </p:grpSpPr>
       <p:sp>
         <p:nvSpPr>
-          <p:cNvPr id="78" name="Google Shape;78;p16"/>
+          <p:cNvPr id="80" name="Google Shape;80;p16"/>
           <p:cNvSpPr txBox="1"/>
           <p:nvPr>
             <p:ph type="title"/>
@@ -8745,7 +8829,7 @@
       </p:sp>
       <p:sp>
         <p:nvSpPr>
-          <p:cNvPr id="79" name="Google Shape;79;p16"/>
+          <p:cNvPr id="81" name="Google Shape;81;p16"/>
           <p:cNvSpPr txBox="1"/>
           <p:nvPr>
             <p:ph idx="4294967295" type="body"/>
@@ -8813,7 +8897,7 @@
       </p:sp>
       <p:sp>
         <p:nvSpPr>
-          <p:cNvPr id="80" name="Google Shape;80;p16"/>
+          <p:cNvPr id="82" name="Google Shape;82;p16"/>
           <p:cNvSpPr txBox="1"/>
           <p:nvPr>
             <p:ph idx="4294967295" type="body"/>
@@ -8949,7 +9033,7 @@
       </p:sp>
       <p:grpSp>
         <p:nvGrpSpPr>
-          <p:cNvPr id="81" name="Google Shape;81;p16"/>
+          <p:cNvPr id="83" name="Google Shape;83;p16"/>
           <p:cNvGrpSpPr/>
           <p:nvPr/>
         </p:nvGrpSpPr>
@@ -8963,7 +9047,7 @@
         </p:grpSpPr>
         <p:sp>
           <p:nvSpPr>
-            <p:cNvPr id="82" name="Google Shape;82;p16"/>
+            <p:cNvPr id="84" name="Google Shape;84;p16"/>
             <p:cNvSpPr/>
             <p:nvPr/>
           </p:nvSpPr>
@@ -9010,7 +9094,7 @@
         </p:sp>
         <p:sp>
           <p:nvSpPr>
-            <p:cNvPr id="83" name="Google Shape;83;p16"/>
+            <p:cNvPr id="85" name="Google Shape;85;p16"/>
             <p:cNvSpPr txBox="1"/>
             <p:nvPr/>
           </p:nvSpPr>
@@ -9054,7 +9138,7 @@
       </p:grpSp>
       <p:sp>
         <p:nvSpPr>
-          <p:cNvPr id="84" name="Google Shape;84;p16"/>
+          <p:cNvPr id="86" name="Google Shape;86;p16"/>
           <p:cNvSpPr txBox="1"/>
           <p:nvPr>
             <p:ph idx="4294967295" type="body"/>
@@ -9102,7 +9186,7 @@
       </p:sp>
       <p:sp>
         <p:nvSpPr>
-          <p:cNvPr id="85" name="Google Shape;85;p16"/>
+          <p:cNvPr id="87" name="Google Shape;87;p16"/>
           <p:cNvSpPr txBox="1"/>
           <p:nvPr>
             <p:ph idx="4294967295" type="body"/>
@@ -9260,7 +9344,7 @@
       </p:sp>
       <p:grpSp>
         <p:nvGrpSpPr>
-          <p:cNvPr id="86" name="Google Shape;86;p16"/>
+          <p:cNvPr id="88" name="Google Shape;88;p16"/>
           <p:cNvGrpSpPr/>
           <p:nvPr/>
         </p:nvGrpSpPr>
@@ -9274,7 +9358,7 @@
         </p:grpSpPr>
         <p:sp>
           <p:nvSpPr>
-            <p:cNvPr id="87" name="Google Shape;87;p16"/>
+            <p:cNvPr id="89" name="Google Shape;89;p16"/>
             <p:cNvSpPr/>
             <p:nvPr/>
           </p:nvSpPr>
@@ -9321,7 +9405,7 @@
         </p:sp>
         <p:sp>
           <p:nvSpPr>
-            <p:cNvPr id="88" name="Google Shape;88;p16"/>
+            <p:cNvPr id="90" name="Google Shape;90;p16"/>
             <p:cNvSpPr txBox="1"/>
             <p:nvPr/>
           </p:nvSpPr>
@@ -9365,7 +9449,7 @@
       </p:grpSp>
       <p:grpSp>
         <p:nvGrpSpPr>
-          <p:cNvPr id="89" name="Google Shape;89;p16"/>
+          <p:cNvPr id="91" name="Google Shape;91;p16"/>
           <p:cNvGrpSpPr/>
           <p:nvPr/>
         </p:nvGrpSpPr>
@@ -9379,7 +9463,7 @@
         </p:grpSpPr>
         <p:sp>
           <p:nvSpPr>
-            <p:cNvPr id="90" name="Google Shape;90;p16"/>
+            <p:cNvPr id="92" name="Google Shape;92;p16"/>
             <p:cNvSpPr/>
             <p:nvPr/>
           </p:nvSpPr>
@@ -9426,7 +9510,7 @@
         </p:sp>
         <p:sp>
           <p:nvSpPr>
-            <p:cNvPr id="91" name="Google Shape;91;p16"/>
+            <p:cNvPr id="93" name="Google Shape;93;p16"/>
             <p:cNvSpPr txBox="1"/>
             <p:nvPr/>
           </p:nvSpPr>
@@ -9470,7 +9554,7 @@
       </p:grpSp>
       <p:sp>
         <p:nvSpPr>
-          <p:cNvPr id="92" name="Google Shape;92;p16"/>
+          <p:cNvPr id="94" name="Google Shape;94;p16"/>
           <p:cNvSpPr txBox="1"/>
           <p:nvPr>
             <p:ph idx="4294967295" type="body"/>
@@ -9518,7 +9602,7 @@
       </p:sp>
       <p:sp>
         <p:nvSpPr>
-          <p:cNvPr id="93" name="Google Shape;93;p16"/>
+          <p:cNvPr id="95" name="Google Shape;95;p16"/>
           <p:cNvSpPr txBox="1"/>
           <p:nvPr>
             <p:ph idx="4294967295" type="body"/>
@@ -9564,6 +9648,90 @@
           </a:p>
         </p:txBody>
       </p:sp>
+      <p:pic>
+        <p:nvPicPr>
+          <p:cNvPr descr="Cepillo simple | Vectores de dominio público" id="96" name="Google Shape;96;p16"/>
+          <p:cNvPicPr preferRelativeResize="0"/>
+          <p:nvPr/>
+        </p:nvPicPr>
+        <p:blipFill>
+          <a:blip r:embed="rId3">
+            <a:alphaModFix/>
+          </a:blip>
+          <a:stretch>
+            <a:fillRect/>
+          </a:stretch>
+        </p:blipFill>
+        <p:spPr>
+          <a:xfrm>
+            <a:off x="4916000" y="3849675"/>
+            <a:ext cx="959375" cy="959375"/>
+          </a:xfrm>
+          <a:prstGeom prst="rect">
+            <a:avLst/>
+          </a:prstGeom>
+          <a:noFill/>
+          <a:ln>
+            <a:noFill/>
+          </a:ln>
+        </p:spPr>
+      </p:pic>
+      <p:pic>
+        <p:nvPicPr>
+          <p:cNvPr descr="Archivo:NumPy logo 2020.svg - Wikipedia, la enciclopedia libre" id="97" name="Google Shape;97;p16"/>
+          <p:cNvPicPr preferRelativeResize="0"/>
+          <p:nvPr/>
+        </p:nvPicPr>
+        <p:blipFill>
+          <a:blip r:embed="rId4">
+            <a:alphaModFix/>
+          </a:blip>
+          <a:stretch>
+            <a:fillRect/>
+          </a:stretch>
+        </p:blipFill>
+        <p:spPr>
+          <a:xfrm>
+            <a:off x="6740575" y="4017631"/>
+            <a:ext cx="1757952" cy="791425"/>
+          </a:xfrm>
+          <a:prstGeom prst="rect">
+            <a:avLst/>
+          </a:prstGeom>
+          <a:noFill/>
+          <a:ln>
+            <a:noFill/>
+          </a:ln>
+        </p:spPr>
+      </p:pic>
+      <p:pic>
+        <p:nvPicPr>
+          <p:cNvPr descr="Periodismo de datos: Aprende web scraping y cómo trabaja c… | Flickr" id="98" name="Google Shape;98;p16"/>
+          <p:cNvPicPr preferRelativeResize="0"/>
+          <p:nvPr/>
+        </p:nvPicPr>
+        <p:blipFill>
+          <a:blip r:embed="rId5">
+            <a:alphaModFix/>
+          </a:blip>
+          <a:stretch>
+            <a:fillRect/>
+          </a:stretch>
+        </p:blipFill>
+        <p:spPr>
+          <a:xfrm>
+            <a:off x="479868" y="2830075"/>
+            <a:ext cx="2270674" cy="1514520"/>
+          </a:xfrm>
+          <a:prstGeom prst="rect">
+            <a:avLst/>
+          </a:prstGeom>
+          <a:noFill/>
+          <a:ln>
+            <a:noFill/>
+          </a:ln>
+        </p:spPr>
+      </p:pic>
     </p:spTree>
   </p:cSld>
   <p:clrMapOvr>
@@ -9584,7 +9752,7 @@
     </p:bg>
     <p:spTree>
       <p:nvGrpSpPr>
-        <p:cNvPr id="97" name="Shape 97"/>
+        <p:cNvPr id="102" name="Shape 102"/>
         <p:cNvGrpSpPr/>
         <p:nvPr/>
       </p:nvGrpSpPr>
@@ -9598,7 +9766,7 @@
       </p:grpSpPr>
       <p:sp>
         <p:nvSpPr>
-          <p:cNvPr id="98" name="Google Shape;98;p17"/>
+          <p:cNvPr id="103" name="Google Shape;103;p17"/>
           <p:cNvSpPr txBox="1"/>
           <p:nvPr>
             <p:ph type="title"/>
@@ -9654,7 +9822,7 @@
       </p:sp>
       <p:sp>
         <p:nvSpPr>
-          <p:cNvPr id="99" name="Google Shape;99;p17"/>
+          <p:cNvPr id="104" name="Google Shape;104;p17"/>
           <p:cNvSpPr txBox="1"/>
           <p:nvPr>
             <p:ph idx="2" type="body"/>
@@ -9752,7 +9920,7 @@
       </p:sp>
       <p:pic>
         <p:nvPicPr>
-          <p:cNvPr descr="Fotos gratis : pregunta, marca, responder, solución, firmar, mano ..." id="100" name="Google Shape;100;p17"/>
+          <p:cNvPr descr="Fotos gratis : pregunta, marca, responder, solución, firmar, mano ..." id="105" name="Google Shape;105;p17"/>
           <p:cNvPicPr preferRelativeResize="0"/>
           <p:nvPr/>
         </p:nvPicPr>
@@ -9791,7 +9959,7 @@
   <p:cSld>
     <p:spTree>
       <p:nvGrpSpPr>
-        <p:cNvPr id="104" name="Shape 104"/>
+        <p:cNvPr id="109" name="Shape 109"/>
         <p:cNvGrpSpPr/>
         <p:nvPr/>
       </p:nvGrpSpPr>
@@ -9805,7 +9973,7 @@
       </p:grpSpPr>
       <p:sp>
         <p:nvSpPr>
-          <p:cNvPr id="105" name="Google Shape;105;p18"/>
+          <p:cNvPr id="110" name="Google Shape;110;p18"/>
           <p:cNvSpPr txBox="1"/>
           <p:nvPr>
             <p:ph type="title"/>
@@ -9915,7 +10083,7 @@
       </p:sp>
       <p:pic>
         <p:nvPicPr>
-          <p:cNvPr id="106" name="Google Shape;106;p18"/>
+          <p:cNvPr id="111" name="Google Shape;111;p18"/>
           <p:cNvPicPr preferRelativeResize="0"/>
           <p:nvPr/>
         </p:nvPicPr>
@@ -9943,7 +10111,7 @@
       </p:pic>
       <p:pic>
         <p:nvPicPr>
-          <p:cNvPr id="107" name="Google Shape;107;p18"/>
+          <p:cNvPr id="112" name="Google Shape;112;p18"/>
           <p:cNvPicPr preferRelativeResize="0"/>
           <p:nvPr/>
         </p:nvPicPr>
@@ -9971,7 +10139,7 @@
       </p:pic>
       <p:sp>
         <p:nvSpPr>
-          <p:cNvPr id="108" name="Google Shape;108;p18"/>
+          <p:cNvPr id="113" name="Google Shape;113;p18"/>
           <p:cNvSpPr/>
           <p:nvPr/>
         </p:nvSpPr>
@@ -10062,7 +10230,7 @@
       </p:sp>
       <p:sp>
         <p:nvSpPr>
-          <p:cNvPr id="109" name="Google Shape;109;p18"/>
+          <p:cNvPr id="114" name="Google Shape;114;p18"/>
           <p:cNvSpPr/>
           <p:nvPr/>
         </p:nvSpPr>
@@ -10148,7 +10316,7 @@
     </p:bg>
     <p:spTree>
       <p:nvGrpSpPr>
-        <p:cNvPr id="113" name="Shape 113"/>
+        <p:cNvPr id="118" name="Shape 118"/>
         <p:cNvGrpSpPr/>
         <p:nvPr/>
       </p:nvGrpSpPr>
@@ -10162,7 +10330,7 @@
       </p:grpSpPr>
       <p:sp>
         <p:nvSpPr>
-          <p:cNvPr id="114" name="Google Shape;114;p19"/>
+          <p:cNvPr id="119" name="Google Shape;119;p19"/>
           <p:cNvSpPr txBox="1"/>
           <p:nvPr>
             <p:ph idx="4294967295" type="title"/>
@@ -10214,7 +10382,7 @@
       </p:sp>
       <p:sp>
         <p:nvSpPr>
-          <p:cNvPr id="115" name="Google Shape;115;p19"/>
+          <p:cNvPr id="120" name="Google Shape;120;p19"/>
           <p:cNvSpPr txBox="1"/>
           <p:nvPr>
             <p:ph idx="4294967295" type="body"/>
@@ -10266,7 +10434,7 @@
       </p:sp>
       <p:sp>
         <p:nvSpPr>
-          <p:cNvPr id="116" name="Google Shape;116;p19"/>
+          <p:cNvPr id="121" name="Google Shape;121;p19"/>
           <p:cNvSpPr txBox="1"/>
           <p:nvPr>
             <p:ph idx="4294967295" type="body"/>
@@ -10318,7 +10486,7 @@
       </p:sp>
       <p:pic>
         <p:nvPicPr>
-          <p:cNvPr id="117" name="Google Shape;117;p19"/>
+          <p:cNvPr id="122" name="Google Shape;122;p19"/>
           <p:cNvPicPr preferRelativeResize="0"/>
           <p:nvPr/>
         </p:nvPicPr>
@@ -10357,7 +10525,7 @@
   <p:cSld>
     <p:spTree>
       <p:nvGrpSpPr>
-        <p:cNvPr id="121" name="Shape 121"/>
+        <p:cNvPr id="126" name="Shape 126"/>
         <p:cNvGrpSpPr/>
         <p:nvPr/>
       </p:nvGrpSpPr>
@@ -10371,7 +10539,7 @@
       </p:grpSpPr>
       <p:sp>
         <p:nvSpPr>
-          <p:cNvPr id="122" name="Google Shape;122;p20"/>
+          <p:cNvPr id="127" name="Google Shape;127;p20"/>
           <p:cNvSpPr txBox="1"/>
           <p:nvPr>
             <p:ph idx="4294967295" type="title"/>
@@ -10423,7 +10591,7 @@
       </p:sp>
       <p:sp>
         <p:nvSpPr>
-          <p:cNvPr id="123" name="Google Shape;123;p20"/>
+          <p:cNvPr id="128" name="Google Shape;128;p20"/>
           <p:cNvSpPr txBox="1"/>
           <p:nvPr>
             <p:ph idx="4294967295" type="body"/>
@@ -10471,7 +10639,7 @@
       </p:sp>
       <p:sp>
         <p:nvSpPr>
-          <p:cNvPr id="124" name="Google Shape;124;p20"/>
+          <p:cNvPr id="129" name="Google Shape;129;p20"/>
           <p:cNvSpPr txBox="1"/>
           <p:nvPr/>
         </p:nvSpPr>
@@ -10547,7 +10715,7 @@
       </p:sp>
       <p:pic>
         <p:nvPicPr>
-          <p:cNvPr id="125" name="Google Shape;125;p20"/>
+          <p:cNvPr id="130" name="Google Shape;130;p20"/>
           <p:cNvPicPr preferRelativeResize="0"/>
           <p:nvPr/>
         </p:nvPicPr>
@@ -10586,7 +10754,7 @@
   <p:cSld>
     <p:spTree>
       <p:nvGrpSpPr>
-        <p:cNvPr id="129" name="Shape 129"/>
+        <p:cNvPr id="134" name="Shape 134"/>
         <p:cNvGrpSpPr/>
         <p:nvPr/>
       </p:nvGrpSpPr>
@@ -10600,7 +10768,7 @@
       </p:grpSpPr>
       <p:sp>
         <p:nvSpPr>
-          <p:cNvPr id="130" name="Google Shape;130;p21"/>
+          <p:cNvPr id="135" name="Google Shape;135;p21"/>
           <p:cNvSpPr txBox="1"/>
           <p:nvPr>
             <p:ph type="title"/>
@@ -10663,7 +10831,7 @@
       </p:sp>
       <p:grpSp>
         <p:nvGrpSpPr>
-          <p:cNvPr id="131" name="Google Shape;131;p21"/>
+          <p:cNvPr id="136" name="Google Shape;136;p21"/>
           <p:cNvGrpSpPr/>
           <p:nvPr/>
         </p:nvGrpSpPr>
@@ -10677,7 +10845,7 @@
         </p:grpSpPr>
         <p:sp>
           <p:nvSpPr>
-            <p:cNvPr id="132" name="Google Shape;132;p21"/>
+            <p:cNvPr id="137" name="Google Shape;137;p21"/>
             <p:cNvSpPr/>
             <p:nvPr/>
           </p:nvSpPr>
@@ -10720,257 +10888,13 @@
         </p:sp>
         <p:sp>
           <p:nvSpPr>
-            <p:cNvPr id="133" name="Google Shape;133;p21"/>
+            <p:cNvPr id="138" name="Google Shape;138;p21"/>
             <p:cNvSpPr/>
             <p:nvPr/>
           </p:nvSpPr>
           <p:spPr>
             <a:xfrm>
               <a:off x="424813" y="1177875"/>
-              <a:ext cx="3055800" cy="849900"/>
-            </a:xfrm>
-            <a:prstGeom prst="homePlate">
-              <a:avLst>
-                <a:gd fmla="val 26719" name="adj"/>
-              </a:avLst>
-            </a:prstGeom>
-            <a:solidFill>
-              <a:schemeClr val="accent5"/>
-            </a:solidFill>
-            <a:ln>
-              <a:noFill/>
-            </a:ln>
-          </p:spPr>
-          <p:txBody>
-            <a:bodyPr anchorCtr="0" anchor="ctr" bIns="91425" lIns="91425" spcFirstLastPara="1" rIns="91425" wrap="square" tIns="91425">
-              <a:noAutofit/>
-            </a:bodyPr>
-            <a:lstStyle/>
-            <a:p>
-              <a:pPr indent="0" lvl="0" marL="0" rtl="0" algn="l">
-                <a:spcBef>
-                  <a:spcPts val="0"/>
-                </a:spcBef>
-                <a:spcAft>
-                  <a:spcPts val="0"/>
-                </a:spcAft>
-                <a:buNone/>
-              </a:pPr>
-              <a:r>
-                <a:t/>
-              </a:r>
-              <a:endParaRPr/>
-            </a:p>
-          </p:txBody>
-        </p:sp>
-      </p:grpSp>
-      <p:sp>
-        <p:nvSpPr>
-          <p:cNvPr id="134" name="Google Shape;134;p21"/>
-          <p:cNvSpPr txBox="1"/>
-          <p:nvPr>
-            <p:ph idx="4294967295" type="body"/>
-          </p:nvPr>
-        </p:nvSpPr>
-        <p:spPr>
-          <a:xfrm>
-            <a:off x="3480450" y="1017725"/>
-            <a:ext cx="5111700" cy="1756200"/>
-          </a:xfrm>
-          <a:prstGeom prst="rect">
-            <a:avLst/>
-          </a:prstGeom>
-        </p:spPr>
-        <p:txBody>
-          <a:bodyPr anchorCtr="0" anchor="ctr" bIns="91425" lIns="91425" spcFirstLastPara="1" rIns="91425" wrap="square" tIns="91425">
-            <a:noAutofit/>
-          </a:bodyPr>
-          <a:lstStyle/>
-          <a:p>
-            <a:pPr indent="0" lvl="0" marL="457200" rtl="0" algn="l">
-              <a:spcBef>
-                <a:spcPts val="1200"/>
-              </a:spcBef>
-              <a:spcAft>
-                <a:spcPts val="0"/>
-              </a:spcAft>
-              <a:buNone/>
-            </a:pPr>
-            <a:r>
-              <a:t/>
-            </a:r>
-            <a:endParaRPr sz="1300">
-              <a:solidFill>
-                <a:schemeClr val="lt1"/>
-              </a:solidFill>
-            </a:endParaRPr>
-          </a:p>
-          <a:p>
-            <a:pPr indent="-311150" lvl="0" marL="457200" rtl="0" algn="l">
-              <a:spcBef>
-                <a:spcPts val="1200"/>
-              </a:spcBef>
-              <a:spcAft>
-                <a:spcPts val="0"/>
-              </a:spcAft>
-              <a:buClr>
-                <a:schemeClr val="lt1"/>
-              </a:buClr>
-              <a:buSzPts val="1300"/>
-              <a:buChar char="●"/>
-            </a:pPr>
-            <a:r>
-              <a:rPr lang="es-419" sz="1300">
-                <a:solidFill>
-                  <a:schemeClr val="lt1"/>
-                </a:solidFill>
-              </a:rPr>
-              <a:t>Los precios varían según la marca, sin una estacionalidad clara, reflejando estrategias diferenciadas a lo largo del año.</a:t>
-            </a:r>
-            <a:endParaRPr sz="1300">
-              <a:solidFill>
-                <a:schemeClr val="lt1"/>
-              </a:solidFill>
-            </a:endParaRPr>
-          </a:p>
-          <a:p>
-            <a:pPr indent="0" lvl="0" marL="457200" rtl="0" algn="l">
-              <a:spcBef>
-                <a:spcPts val="1200"/>
-              </a:spcBef>
-              <a:spcAft>
-                <a:spcPts val="1600"/>
-              </a:spcAft>
-              <a:buNone/>
-            </a:pPr>
-            <a:r>
-              <a:t/>
-            </a:r>
-            <a:endParaRPr sz="1300">
-              <a:solidFill>
-                <a:schemeClr val="lt1"/>
-              </a:solidFill>
-            </a:endParaRPr>
-          </a:p>
-        </p:txBody>
-      </p:sp>
-      <p:sp>
-        <p:nvSpPr>
-          <p:cNvPr id="135" name="Google Shape;135;p21"/>
-          <p:cNvSpPr txBox="1"/>
-          <p:nvPr>
-            <p:ph idx="4294967295" type="body"/>
-          </p:nvPr>
-        </p:nvSpPr>
-        <p:spPr>
-          <a:xfrm>
-            <a:off x="539675" y="3000775"/>
-            <a:ext cx="2422500" cy="799200"/>
-          </a:xfrm>
-          <a:prstGeom prst="rect">
-            <a:avLst/>
-          </a:prstGeom>
-        </p:spPr>
-        <p:txBody>
-          <a:bodyPr anchorCtr="0" anchor="ctr" bIns="91425" lIns="91425" spcFirstLastPara="1" rIns="91425" wrap="square" tIns="91425">
-            <a:noAutofit/>
-          </a:bodyPr>
-          <a:lstStyle/>
-          <a:p>
-            <a:pPr indent="0" lvl="0" marL="0" rtl="0" algn="l">
-              <a:lnSpc>
-                <a:spcPct val="100000"/>
-              </a:lnSpc>
-              <a:spcBef>
-                <a:spcPts val="0"/>
-              </a:spcBef>
-              <a:spcAft>
-                <a:spcPts val="0"/>
-              </a:spcAft>
-              <a:buNone/>
-            </a:pPr>
-            <a:r>
-              <a:rPr lang="es-419">
-                <a:solidFill>
-                  <a:schemeClr val="lt1"/>
-                </a:solidFill>
-              </a:rPr>
-              <a:t>Meta 3</a:t>
-            </a:r>
-            <a:endParaRPr>
-              <a:solidFill>
-                <a:schemeClr val="lt1"/>
-              </a:solidFill>
-            </a:endParaRPr>
-          </a:p>
-        </p:txBody>
-      </p:sp>
-      <p:grpSp>
-        <p:nvGrpSpPr>
-          <p:cNvPr id="136" name="Google Shape;136;p21"/>
-          <p:cNvGrpSpPr/>
-          <p:nvPr/>
-        </p:nvGrpSpPr>
-        <p:grpSpPr>
-          <a:xfrm>
-            <a:off x="424826" y="3468856"/>
-            <a:ext cx="8294360" cy="1204610"/>
-            <a:chOff x="424813" y="3871259"/>
-            <a:chExt cx="8294360" cy="849933"/>
-          </a:xfrm>
-        </p:grpSpPr>
-        <p:sp>
-          <p:nvSpPr>
-            <p:cNvPr id="137" name="Google Shape;137;p21"/>
-            <p:cNvSpPr/>
-            <p:nvPr/>
-          </p:nvSpPr>
-          <p:spPr>
-            <a:xfrm>
-              <a:off x="2927672" y="3871292"/>
-              <a:ext cx="5791500" cy="849900"/>
-            </a:xfrm>
-            <a:prstGeom prst="rect">
-              <a:avLst/>
-            </a:prstGeom>
-            <a:solidFill>
-              <a:schemeClr val="dk1"/>
-            </a:solidFill>
-            <a:ln>
-              <a:noFill/>
-            </a:ln>
-          </p:spPr>
-          <p:txBody>
-            <a:bodyPr anchorCtr="0" anchor="ctr" bIns="91425" lIns="91425" spcFirstLastPara="1" rIns="91425" wrap="square" tIns="91425">
-              <a:noAutofit/>
-            </a:bodyPr>
-            <a:lstStyle/>
-            <a:p>
-              <a:pPr indent="0" lvl="0" marL="0" rtl="0" algn="l">
-                <a:spcBef>
-                  <a:spcPts val="0"/>
-                </a:spcBef>
-                <a:spcAft>
-                  <a:spcPts val="0"/>
-                </a:spcAft>
-                <a:buNone/>
-              </a:pPr>
-              <a:r>
-                <a:t/>
-              </a:r>
-              <a:endParaRPr/>
-            </a:p>
-          </p:txBody>
-        </p:sp>
-        <p:sp>
-          <p:nvSpPr>
-            <p:cNvPr id="138" name="Google Shape;138;p21"/>
-            <p:cNvSpPr/>
-            <p:nvPr/>
-          </p:nvSpPr>
-          <p:spPr>
-            <a:xfrm>
-              <a:off x="424813" y="3871259"/>
               <a:ext cx="3055800" cy="849900"/>
             </a:xfrm>
             <a:prstGeom prst="homePlate">
@@ -11018,6 +10942,250 @@
         </p:nvSpPr>
         <p:spPr>
           <a:xfrm>
+            <a:off x="3480450" y="1017725"/>
+            <a:ext cx="5111700" cy="1756200"/>
+          </a:xfrm>
+          <a:prstGeom prst="rect">
+            <a:avLst/>
+          </a:prstGeom>
+        </p:spPr>
+        <p:txBody>
+          <a:bodyPr anchorCtr="0" anchor="ctr" bIns="91425" lIns="91425" spcFirstLastPara="1" rIns="91425" wrap="square" tIns="91425">
+            <a:noAutofit/>
+          </a:bodyPr>
+          <a:lstStyle/>
+          <a:p>
+            <a:pPr indent="0" lvl="0" marL="457200" rtl="0" algn="l">
+              <a:spcBef>
+                <a:spcPts val="1200"/>
+              </a:spcBef>
+              <a:spcAft>
+                <a:spcPts val="0"/>
+              </a:spcAft>
+              <a:buNone/>
+            </a:pPr>
+            <a:r>
+              <a:t/>
+            </a:r>
+            <a:endParaRPr sz="1300">
+              <a:solidFill>
+                <a:schemeClr val="lt1"/>
+              </a:solidFill>
+            </a:endParaRPr>
+          </a:p>
+          <a:p>
+            <a:pPr indent="-311150" lvl="0" marL="457200" rtl="0" algn="l">
+              <a:spcBef>
+                <a:spcPts val="1200"/>
+              </a:spcBef>
+              <a:spcAft>
+                <a:spcPts val="0"/>
+              </a:spcAft>
+              <a:buClr>
+                <a:schemeClr val="lt1"/>
+              </a:buClr>
+              <a:buSzPts val="1300"/>
+              <a:buChar char="●"/>
+            </a:pPr>
+            <a:r>
+              <a:rPr lang="es-419" sz="1300">
+                <a:solidFill>
+                  <a:schemeClr val="lt1"/>
+                </a:solidFill>
+              </a:rPr>
+              <a:t>Los precios varían según la marca, sin una estacionalidad clara, reflejando estrategias diferenciadas a lo largo del año.</a:t>
+            </a:r>
+            <a:endParaRPr sz="1300">
+              <a:solidFill>
+                <a:schemeClr val="lt1"/>
+              </a:solidFill>
+            </a:endParaRPr>
+          </a:p>
+          <a:p>
+            <a:pPr indent="0" lvl="0" marL="457200" rtl="0" algn="l">
+              <a:spcBef>
+                <a:spcPts val="1200"/>
+              </a:spcBef>
+              <a:spcAft>
+                <a:spcPts val="1600"/>
+              </a:spcAft>
+              <a:buNone/>
+            </a:pPr>
+            <a:r>
+              <a:t/>
+            </a:r>
+            <a:endParaRPr sz="1300">
+              <a:solidFill>
+                <a:schemeClr val="lt1"/>
+              </a:solidFill>
+            </a:endParaRPr>
+          </a:p>
+        </p:txBody>
+      </p:sp>
+      <p:sp>
+        <p:nvSpPr>
+          <p:cNvPr id="140" name="Google Shape;140;p21"/>
+          <p:cNvSpPr txBox="1"/>
+          <p:nvPr>
+            <p:ph idx="4294967295" type="body"/>
+          </p:nvPr>
+        </p:nvSpPr>
+        <p:spPr>
+          <a:xfrm>
+            <a:off x="539675" y="3000775"/>
+            <a:ext cx="2422500" cy="799200"/>
+          </a:xfrm>
+          <a:prstGeom prst="rect">
+            <a:avLst/>
+          </a:prstGeom>
+        </p:spPr>
+        <p:txBody>
+          <a:bodyPr anchorCtr="0" anchor="ctr" bIns="91425" lIns="91425" spcFirstLastPara="1" rIns="91425" wrap="square" tIns="91425">
+            <a:noAutofit/>
+          </a:bodyPr>
+          <a:lstStyle/>
+          <a:p>
+            <a:pPr indent="0" lvl="0" marL="0" rtl="0" algn="l">
+              <a:lnSpc>
+                <a:spcPct val="100000"/>
+              </a:lnSpc>
+              <a:spcBef>
+                <a:spcPts val="0"/>
+              </a:spcBef>
+              <a:spcAft>
+                <a:spcPts val="0"/>
+              </a:spcAft>
+              <a:buNone/>
+            </a:pPr>
+            <a:r>
+              <a:rPr lang="es-419">
+                <a:solidFill>
+                  <a:schemeClr val="lt1"/>
+                </a:solidFill>
+              </a:rPr>
+              <a:t>Meta 3</a:t>
+            </a:r>
+            <a:endParaRPr>
+              <a:solidFill>
+                <a:schemeClr val="lt1"/>
+              </a:solidFill>
+            </a:endParaRPr>
+          </a:p>
+        </p:txBody>
+      </p:sp>
+      <p:grpSp>
+        <p:nvGrpSpPr>
+          <p:cNvPr id="141" name="Google Shape;141;p21"/>
+          <p:cNvGrpSpPr/>
+          <p:nvPr/>
+        </p:nvGrpSpPr>
+        <p:grpSpPr>
+          <a:xfrm>
+            <a:off x="424826" y="3468856"/>
+            <a:ext cx="8294360" cy="1204610"/>
+            <a:chOff x="424813" y="3871259"/>
+            <a:chExt cx="8294360" cy="849933"/>
+          </a:xfrm>
+        </p:grpSpPr>
+        <p:sp>
+          <p:nvSpPr>
+            <p:cNvPr id="142" name="Google Shape;142;p21"/>
+            <p:cNvSpPr/>
+            <p:nvPr/>
+          </p:nvSpPr>
+          <p:spPr>
+            <a:xfrm>
+              <a:off x="2927672" y="3871292"/>
+              <a:ext cx="5791500" cy="849900"/>
+            </a:xfrm>
+            <a:prstGeom prst="rect">
+              <a:avLst/>
+            </a:prstGeom>
+            <a:solidFill>
+              <a:schemeClr val="dk1"/>
+            </a:solidFill>
+            <a:ln>
+              <a:noFill/>
+            </a:ln>
+          </p:spPr>
+          <p:txBody>
+            <a:bodyPr anchorCtr="0" anchor="ctr" bIns="91425" lIns="91425" spcFirstLastPara="1" rIns="91425" wrap="square" tIns="91425">
+              <a:noAutofit/>
+            </a:bodyPr>
+            <a:lstStyle/>
+            <a:p>
+              <a:pPr indent="0" lvl="0" marL="0" rtl="0" algn="l">
+                <a:spcBef>
+                  <a:spcPts val="0"/>
+                </a:spcBef>
+                <a:spcAft>
+                  <a:spcPts val="0"/>
+                </a:spcAft>
+                <a:buNone/>
+              </a:pPr>
+              <a:r>
+                <a:t/>
+              </a:r>
+              <a:endParaRPr/>
+            </a:p>
+          </p:txBody>
+        </p:sp>
+        <p:sp>
+          <p:nvSpPr>
+            <p:cNvPr id="143" name="Google Shape;143;p21"/>
+            <p:cNvSpPr/>
+            <p:nvPr/>
+          </p:nvSpPr>
+          <p:spPr>
+            <a:xfrm>
+              <a:off x="424813" y="3871259"/>
+              <a:ext cx="3055800" cy="849900"/>
+            </a:xfrm>
+            <a:prstGeom prst="homePlate">
+              <a:avLst>
+                <a:gd fmla="val 26719" name="adj"/>
+              </a:avLst>
+            </a:prstGeom>
+            <a:solidFill>
+              <a:schemeClr val="accent5"/>
+            </a:solidFill>
+            <a:ln>
+              <a:noFill/>
+            </a:ln>
+          </p:spPr>
+          <p:txBody>
+            <a:bodyPr anchorCtr="0" anchor="ctr" bIns="91425" lIns="91425" spcFirstLastPara="1" rIns="91425" wrap="square" tIns="91425">
+              <a:noAutofit/>
+            </a:bodyPr>
+            <a:lstStyle/>
+            <a:p>
+              <a:pPr indent="0" lvl="0" marL="0" rtl="0" algn="l">
+                <a:spcBef>
+                  <a:spcPts val="0"/>
+                </a:spcBef>
+                <a:spcAft>
+                  <a:spcPts val="0"/>
+                </a:spcAft>
+                <a:buNone/>
+              </a:pPr>
+              <a:r>
+                <a:t/>
+              </a:r>
+              <a:endParaRPr/>
+            </a:p>
+          </p:txBody>
+        </p:sp>
+      </p:grpSp>
+      <p:sp>
+        <p:nvSpPr>
+          <p:cNvPr id="144" name="Google Shape;144;p21"/>
+          <p:cNvSpPr txBox="1"/>
+          <p:nvPr>
+            <p:ph idx="4294967295" type="body"/>
+          </p:nvPr>
+        </p:nvSpPr>
+        <p:spPr>
+          <a:xfrm>
             <a:off x="3480450" y="3411050"/>
             <a:ext cx="5111700" cy="1204500"/>
           </a:xfrm>
@@ -11079,6 +11247,122 @@
           </a:p>
         </p:txBody>
       </p:sp>
+      <p:sp>
+        <p:nvSpPr>
+          <p:cNvPr id="145" name="Google Shape;145;p21"/>
+          <p:cNvSpPr txBox="1"/>
+          <p:nvPr/>
+        </p:nvSpPr>
+        <p:spPr>
+          <a:xfrm>
+            <a:off x="883075" y="1460850"/>
+            <a:ext cx="1972800" cy="904200"/>
+          </a:xfrm>
+          <a:prstGeom prst="rect">
+            <a:avLst/>
+          </a:prstGeom>
+          <a:noFill/>
+          <a:ln>
+            <a:noFill/>
+          </a:ln>
+        </p:spPr>
+        <p:txBody>
+          <a:bodyPr anchorCtr="0" anchor="ctr" bIns="91425" lIns="91425" spcFirstLastPara="1" rIns="91425" wrap="square" tIns="91425">
+            <a:noAutofit/>
+          </a:bodyPr>
+          <a:lstStyle/>
+          <a:p>
+            <a:pPr indent="0" lvl="0" marL="0" rtl="0" algn="ctr">
+              <a:spcBef>
+                <a:spcPts val="0"/>
+              </a:spcBef>
+              <a:spcAft>
+                <a:spcPts val="0"/>
+              </a:spcAft>
+              <a:buNone/>
+            </a:pPr>
+            <a:r>
+              <a:rPr lang="es-419" sz="3200">
+                <a:solidFill>
+                  <a:schemeClr val="lt1"/>
+                </a:solidFill>
+                <a:latin typeface="Average"/>
+                <a:ea typeface="Average"/>
+                <a:cs typeface="Average"/>
+                <a:sym typeface="Average"/>
+              </a:rPr>
+              <a:t>1</a:t>
+            </a:r>
+            <a:endParaRPr sz="3200">
+              <a:solidFill>
+                <a:schemeClr val="lt1"/>
+              </a:solidFill>
+              <a:latin typeface="Average"/>
+              <a:ea typeface="Average"/>
+              <a:cs typeface="Average"/>
+              <a:sym typeface="Average"/>
+            </a:endParaRPr>
+          </a:p>
+        </p:txBody>
+      </p:sp>
+      <p:sp>
+        <p:nvSpPr>
+          <p:cNvPr id="146" name="Google Shape;146;p21"/>
+          <p:cNvSpPr txBox="1"/>
+          <p:nvPr/>
+        </p:nvSpPr>
+        <p:spPr>
+          <a:xfrm>
+            <a:off x="883075" y="3619063"/>
+            <a:ext cx="1972800" cy="904200"/>
+          </a:xfrm>
+          <a:prstGeom prst="rect">
+            <a:avLst/>
+          </a:prstGeom>
+          <a:noFill/>
+          <a:ln>
+            <a:noFill/>
+          </a:ln>
+        </p:spPr>
+        <p:txBody>
+          <a:bodyPr anchorCtr="0" anchor="ctr" bIns="91425" lIns="91425" spcFirstLastPara="1" rIns="91425" wrap="square" tIns="91425">
+            <a:noAutofit/>
+          </a:bodyPr>
+          <a:lstStyle/>
+          <a:p>
+            <a:pPr indent="0" lvl="0" marL="0" rtl="0" algn="ctr">
+              <a:spcBef>
+                <a:spcPts val="0"/>
+              </a:spcBef>
+              <a:spcAft>
+                <a:spcPts val="0"/>
+              </a:spcAft>
+              <a:buNone/>
+            </a:pPr>
+            <a:r>
+              <a:rPr lang="es-419" sz="3200">
+                <a:solidFill>
+                  <a:schemeClr val="lt1"/>
+                </a:solidFill>
+                <a:latin typeface="Average"/>
+                <a:ea typeface="Average"/>
+                <a:cs typeface="Average"/>
+                <a:sym typeface="Average"/>
+              </a:rPr>
+              <a:t>2</a:t>
+            </a:r>
+            <a:endParaRPr sz="3200">
+              <a:solidFill>
+                <a:schemeClr val="lt1"/>
+              </a:solidFill>
+              <a:latin typeface="Average"/>
+              <a:ea typeface="Average"/>
+              <a:cs typeface="Average"/>
+              <a:sym typeface="Average"/>
+            </a:endParaRPr>
+          </a:p>
+        </p:txBody>
+      </p:sp>
     </p:spTree>
   </p:cSld>
   <p:clrMapOvr>
@@ -11088,6 +11372,285 @@
 </file>
 
 <file path=ppt/theme/theme1.xml><?xml version="1.0" encoding="utf-8"?>
+<a:theme xmlns:a="http://schemas.openxmlformats.org/drawingml/2006/main" xmlns:r="http://schemas.openxmlformats.org/officeDocument/2006/relationships" name="Slate">
+  <a:themeElements>
+    <a:clrScheme name="Slate">
+      <a:dk1>
+        <a:srgbClr val="FFFFFF"/>
+      </a:dk1>
+      <a:lt1>
+        <a:srgbClr val="37474F"/>
+      </a:lt1>
+      <a:dk2>
+        <a:srgbClr val="9E9E9E"/>
+      </a:dk2>
+      <a:lt2>
+        <a:srgbClr val="E0E0E0"/>
+      </a:lt2>
+      <a:accent1>
+        <a:srgbClr val="616161"/>
+      </a:accent1>
+      <a:accent2>
+        <a:srgbClr val="78909C"/>
+      </a:accent2>
+      <a:accent3>
+        <a:srgbClr val="CACACA"/>
+      </a:accent3>
+      <a:accent4>
+        <a:srgbClr val="64FFDA"/>
+      </a:accent4>
+      <a:accent5>
+        <a:srgbClr val="FFD966"/>
+      </a:accent5>
+      <a:accent6>
+        <a:srgbClr val="F5F5F5"/>
+      </a:accent6>
+      <a:hlink>
+        <a:srgbClr val="FFD966"/>
+      </a:hlink>
+      <a:folHlink>
+        <a:srgbClr val="FFD966"/>
+      </a:folHlink>
+    </a:clrScheme>
+    <a:fontScheme name="Office">
+      <a:majorFont>
+        <a:latin typeface="Arial"/>
+        <a:ea typeface=""/>
+        <a:cs typeface=""/>
+        <a:font script="Jpan" typeface="ＭＳ Ｐゴシック"/>
+        <a:font script="Hang" typeface="맑은 고딕"/>
+        <a:font script="Hans" typeface="宋体"/>
+        <a:font script="Hant" typeface="新細明體"/>
+        <a:font script="Arab" typeface="Times New Roman"/>
+        <a:font script="Hebr" typeface="Times New Roman"/>
+        <a:font script="Thai" typeface="Angsana New"/>
+        <a:font script="Ethi" typeface="Nyala"/>
+        <a:font script="Beng" typeface="Vrinda"/>
+        <a:font script="Gujr" typeface="Shruti"/>
+        <a:font script="Khmr" typeface="MoolBoran"/>
+        <a:font script="Knda" typeface="Tunga"/>
+        <a:font script="Guru" typeface="Raavi"/>
+        <a:font script="Cans" typeface="Euphemia"/>
+        <a:font script="Cher" typeface="Plantagenet Cherokee"/>
+        <a:font script="Yiii" typeface="Microsoft Yi Baiti"/>
+        <a:font script="Tibt" typeface="Microsoft Himalaya"/>
+        <a:font script="Thaa" typeface="MV Boli"/>
+        <a:font script="Deva" typeface="Mangal"/>
+        <a:font script="Telu" typeface="Gautami"/>
+        <a:font script="Taml" typeface="Latha"/>
+        <a:font script="Syrc" typeface="Estrangelo Edessa"/>
+        <a:font script="Orya" typeface="Kalinga"/>
+        <a:font script="Mlym" typeface="Kartika"/>
+        <a:font script="Laoo" typeface="DokChampa"/>
+        <a:font script="Sinh" typeface="Iskoola Pota"/>
+        <a:font script="Mong" typeface="Mongolian Baiti"/>
+        <a:font script="Viet" typeface="Times New Roman"/>
+        <a:font script="Uigh" typeface="Microsoft Uighur"/>
+        <a:font script="Geor" typeface="Sylfaen"/>
+      </a:majorFont>
+      <a:minorFont>
+        <a:latin typeface="Arial"/>
+        <a:ea typeface=""/>
+        <a:cs typeface=""/>
+        <a:font script="Jpan" typeface="ＭＳ Ｐゴシック"/>
+        <a:font script="Hang" typeface="맑은 고딕"/>
+        <a:font script="Hans" typeface="宋体"/>
+        <a:font script="Hant" typeface="新細明體"/>
+        <a:font script="Arab" typeface="Arial"/>
+        <a:font script="Hebr" typeface="Arial"/>
+        <a:font script="Thai" typeface="Cordia New"/>
+        <a:font script="Ethi" typeface="Nyala"/>
+        <a:font script="Beng" typeface="Vrinda"/>
+        <a:font script="Gujr" typeface="Shruti"/>
+        <a:font script="Khmr" typeface="DaunPenh"/>
+        <a:font script="Knda" typeface="Tunga"/>
+        <a:font script="Guru" typeface="Raavi"/>
+        <a:font script="Cans" typeface="Euphemia"/>
+        <a:font script="Cher" typeface="Plantagenet Cherokee"/>
+        <a:font script="Yiii" typeface="Microsoft Yi Baiti"/>
+        <a:font script="Tibt" typeface="Microsoft Himalaya"/>
+        <a:font script="Thaa" typeface="MV Boli"/>
+        <a:font script="Deva" typeface="Mangal"/>
+        <a:font script="Telu" typeface="Gautami"/>
+        <a:font script="Taml" typeface="Latha"/>
+        <a:font script="Syrc" typeface="Estrangelo Edessa"/>
+        <a:font script="Orya" typeface="Kalinga"/>
+        <a:font script="Mlym" typeface="Kartika"/>
+        <a:font script="Laoo" typeface="DokChampa"/>
+        <a:font script="Sinh" typeface="Iskoola Pota"/>
+        <a:font script="Mong" typeface="Mongolian Baiti"/>
+        <a:font script="Viet" typeface="Arial"/>
+        <a:font script="Uigh" typeface="Microsoft Uighur"/>
+        <a:font script="Geor" typeface="Sylfaen"/>
+      </a:minorFont>
+    </a:fontScheme>
+    <a:fmtScheme name="Office">
+      <a:fillStyleLst>
+        <a:solidFill>
+          <a:schemeClr val="phClr"/>
+        </a:solidFill>
+        <a:gradFill rotWithShape="1">
+          <a:gsLst>
+            <a:gs pos="0">
+              <a:schemeClr val="phClr">
+                <a:tint val="50000"/>
+                <a:satMod val="300000"/>
+              </a:schemeClr>
+            </a:gs>
+            <a:gs pos="35000">
+              <a:schemeClr val="phClr">
+                <a:tint val="37000"/>
+                <a:satMod val="300000"/>
+              </a:schemeClr>
+            </a:gs>
+            <a:gs pos="100000">
+              <a:schemeClr val="phClr">
+                <a:tint val="15000"/>
+                <a:satMod val="350000"/>
+              </a:schemeClr>
+            </a:gs>
+          </a:gsLst>
+          <a:lin ang="16200000" scaled="1"/>
+        </a:gradFill>
+        <a:gradFill rotWithShape="1">
+          <a:gsLst>
+            <a:gs pos="0">
+              <a:schemeClr val="phClr">
+                <a:tint val="100000"/>
+                <a:shade val="100000"/>
+                <a:satMod val="130000"/>
+              </a:schemeClr>
+            </a:gs>
+            <a:gs pos="100000">
+              <a:schemeClr val="phClr">
+                <a:tint val="50000"/>
+                <a:shade val="100000"/>
+                <a:satMod val="350000"/>
+              </a:schemeClr>
+            </a:gs>
+          </a:gsLst>
+          <a:lin ang="16200000" scaled="0"/>
+        </a:gradFill>
+      </a:fillStyleLst>
+      <a:lnStyleLst>
+        <a:ln w="9525" cap="flat" cmpd="sng" algn="ctr">
+          <a:solidFill>
+            <a:schemeClr val="phClr">
+              <a:shade val="95000"/>
+              <a:satMod val="105000"/>
+            </a:schemeClr>
+          </a:solidFill>
+          <a:prstDash val="solid"/>
+        </a:ln>
+        <a:ln w="25400" cap="flat" cmpd="sng" algn="ctr">
+          <a:solidFill>
+            <a:schemeClr val="phClr"/>
+          </a:solidFill>
+          <a:prstDash val="solid"/>
+        </a:ln>
+        <a:ln w="38100" cap="flat" cmpd="sng" algn="ctr">
+          <a:solidFill>
+            <a:schemeClr val="phClr"/>
+          </a:solidFill>
+          <a:prstDash val="solid"/>
+        </a:ln>
+      </a:lnStyleLst>
+      <a:effectStyleLst>
+        <a:effectStyle>
+          <a:effectLst>
+            <a:outerShdw blurRad="40000" dist="20000" dir="5400000" rotWithShape="0">
+              <a:srgbClr val="000000">
+                <a:alpha val="38000"/>
+              </a:srgbClr>
+            </a:outerShdw>
+          </a:effectLst>
+        </a:effectStyle>
+        <a:effectStyle>
+          <a:effectLst>
+            <a:outerShdw blurRad="40000" dist="23000" dir="5400000" rotWithShape="0">
+              <a:srgbClr val="000000">
+                <a:alpha val="35000"/>
+              </a:srgbClr>
+            </a:outerShdw>
+          </a:effectLst>
+        </a:effectStyle>
+        <a:effectStyle>
+          <a:effectLst>
+            <a:outerShdw blurRad="40000" dist="23000" dir="5400000" rotWithShape="0">
+              <a:srgbClr val="000000">
+                <a:alpha val="35000"/>
+              </a:srgbClr>
+            </a:outerShdw>
+          </a:effectLst>
+          <a:scene3d>
+            <a:camera prst="orthographicFront">
+              <a:rot lat="0" lon="0" rev="0"/>
+            </a:camera>
+            <a:lightRig rig="threePt" dir="t">
+              <a:rot lat="0" lon="0" rev="1200000"/>
+            </a:lightRig>
+          </a:scene3d>
+          <a:sp3d>
+            <a:bevelT w="63500" h="25400"/>
+          </a:sp3d>
+        </a:effectStyle>
+      </a:effectStyleLst>
+      <a:bgFillStyleLst>
+        <a:solidFill>
+          <a:schemeClr val="phClr"/>
+        </a:solidFill>
+        <a:gradFill rotWithShape="1">
+          <a:gsLst>
+            <a:gs pos="0">
+              <a:schemeClr val="phClr">
+                <a:tint val="40000"/>
+                <a:satMod val="350000"/>
+              </a:schemeClr>
+            </a:gs>
+            <a:gs pos="40000">
+              <a:schemeClr val="phClr">
+                <a:tint val="45000"/>
+                <a:shade val="99000"/>
+                <a:satMod val="350000"/>
+              </a:schemeClr>
+            </a:gs>
+            <a:gs pos="100000">
+              <a:schemeClr val="phClr">
+                <a:shade val="20000"/>
+                <a:satMod val="255000"/>
+              </a:schemeClr>
+            </a:gs>
+          </a:gsLst>
+          <a:path path="circle">
+            <a:fillToRect l="50000" t="-80000" r="50000" b="180000"/>
+          </a:path>
+        </a:gradFill>
+        <a:gradFill rotWithShape="1">
+          <a:gsLst>
+            <a:gs pos="0">
+              <a:schemeClr val="phClr">
+                <a:tint val="80000"/>
+                <a:satMod val="300000"/>
+              </a:schemeClr>
+            </a:gs>
+            <a:gs pos="100000">
+              <a:schemeClr val="phClr">
+                <a:shade val="30000"/>
+                <a:satMod val="200000"/>
+              </a:schemeClr>
+            </a:gs>
+          </a:gsLst>
+          <a:path path="circle">
+            <a:fillToRect l="50000" t="50000" r="50000" b="50000"/>
+          </a:path>
+        </a:gradFill>
+      </a:bgFillStyleLst>
+    </a:fmtScheme>
+  </a:themeElements>
+</a:theme>
+</file>
+
+<file path=ppt/theme/theme2.xml><?xml version="1.0" encoding="utf-8"?>
 <a:theme xmlns:a="http://schemas.openxmlformats.org/drawingml/2006/main" xmlns:r="http://schemas.openxmlformats.org/officeDocument/2006/relationships">
   <a:themeElements>
     <a:clrScheme name="Default">
@@ -11364,283 +11927,4 @@
     </a:fmtScheme>
   </a:themeElements>
 </a:theme>
-</file>
-
-<file path=ppt/theme/theme2.xml><?xml version="1.0" encoding="utf-8"?>
-<a:theme xmlns:a="http://schemas.openxmlformats.org/drawingml/2006/main" xmlns:r="http://schemas.openxmlformats.org/officeDocument/2006/relationships" name="Slate">
-  <a:themeElements>
-    <a:clrScheme name="Slate">
-      <a:dk1>
-        <a:srgbClr val="FFFFFF"/>
-      </a:dk1>
-      <a:lt1>
-        <a:srgbClr val="37474F"/>
-      </a:lt1>
-      <a:dk2>
-        <a:srgbClr val="9E9E9E"/>
-      </a:dk2>
-      <a:lt2>
-        <a:srgbClr val="E0E0E0"/>
-      </a:lt2>
-      <a:accent1>
-        <a:srgbClr val="616161"/>
-      </a:accent1>
-      <a:accent2>
-        <a:srgbClr val="78909C"/>
-      </a:accent2>
-      <a:accent3>
-        <a:srgbClr val="CACACA"/>
-      </a:accent3>
-      <a:accent4>
-        <a:srgbClr val="64FFDA"/>
-      </a:accent4>
-      <a:accent5>
-        <a:srgbClr val="FFD966"/>
-      </a:accent5>
-      <a:accent6>
-        <a:srgbClr val="F5F5F5"/>
-      </a:accent6>
-      <a:hlink>
-        <a:srgbClr val="FFD966"/>
-      </a:hlink>
-      <a:folHlink>
-        <a:srgbClr val="FFD966"/>
-      </a:folHlink>
-    </a:clrScheme>
-    <a:fontScheme name="Office">
-      <a:majorFont>
-        <a:latin typeface="Arial"/>
-        <a:ea typeface=""/>
-        <a:cs typeface=""/>
-        <a:font script="Jpan" typeface="ＭＳ Ｐゴシック"/>
-        <a:font script="Hang" typeface="맑은 고딕"/>
-        <a:font script="Hans" typeface="宋体"/>
-        <a:font script="Hant" typeface="新細明體"/>
-        <a:font script="Arab" typeface="Times New Roman"/>
-        <a:font script="Hebr" typeface="Times New Roman"/>
-        <a:font script="Thai" typeface="Angsana New"/>
-        <a:font script="Ethi" typeface="Nyala"/>
-        <a:font script="Beng" typeface="Vrinda"/>
-        <a:font script="Gujr" typeface="Shruti"/>
-        <a:font script="Khmr" typeface="MoolBoran"/>
-        <a:font script="Knda" typeface="Tunga"/>
-        <a:font script="Guru" typeface="Raavi"/>
-        <a:font script="Cans" typeface="Euphemia"/>
-        <a:font script="Cher" typeface="Plantagenet Cherokee"/>
-        <a:font script="Yiii" typeface="Microsoft Yi Baiti"/>
-        <a:font script="Tibt" typeface="Microsoft Himalaya"/>
-        <a:font script="Thaa" typeface="MV Boli"/>
-        <a:font script="Deva" typeface="Mangal"/>
-        <a:font script="Telu" typeface="Gautami"/>
-        <a:font script="Taml" typeface="Latha"/>
-        <a:font script="Syrc" typeface="Estrangelo Edessa"/>
-        <a:font script="Orya" typeface="Kalinga"/>
-        <a:font script="Mlym" typeface="Kartika"/>
-        <a:font script="Laoo" typeface="DokChampa"/>
-        <a:font script="Sinh" typeface="Iskoola Pota"/>
-        <a:font script="Mong" typeface="Mongolian Baiti"/>
-        <a:font script="Viet" typeface="Times New Roman"/>
-        <a:font script="Uigh" typeface="Microsoft Uighur"/>
-        <a:font script="Geor" typeface="Sylfaen"/>
-      </a:majorFont>
-      <a:minorFont>
-        <a:latin typeface="Arial"/>
-        <a:ea typeface=""/>
-        <a:cs typeface=""/>
-        <a:font script="Jpan" typeface="ＭＳ Ｐゴシック"/>
-        <a:font script="Hang" typeface="맑은 고딕"/>
-        <a:font script="Hans" typeface="宋体"/>
-        <a:font script="Hant" typeface="新細明體"/>
-        <a:font script="Arab" typeface="Arial"/>
-        <a:font script="Hebr" typeface="Arial"/>
-        <a:font script="Thai" typeface="Cordia New"/>
-        <a:font script="Ethi" typeface="Nyala"/>
-        <a:font script="Beng" typeface="Vrinda"/>
-        <a:font script="Gujr" typeface="Shruti"/>
-        <a:font script="Khmr" typeface="DaunPenh"/>
-        <a:font script="Knda" typeface="Tunga"/>
-        <a:font script="Guru" typeface="Raavi"/>
-        <a:font script="Cans" typeface="Euphemia"/>
-        <a:font script="Cher" typeface="Plantagenet Cherokee"/>
-        <a:font script="Yiii" typeface="Microsoft Yi Baiti"/>
-        <a:font script="Tibt" typeface="Microsoft Himalaya"/>
-        <a:font script="Thaa" typeface="MV Boli"/>
-        <a:font script="Deva" typeface="Mangal"/>
-        <a:font script="Telu" typeface="Gautami"/>
-        <a:font script="Taml" typeface="Latha"/>
-        <a:font script="Syrc" typeface="Estrangelo Edessa"/>
-        <a:font script="Orya" typeface="Kalinga"/>
-        <a:font script="Mlym" typeface="Kartika"/>
-        <a:font script="Laoo" typeface="DokChampa"/>
-        <a:font script="Sinh" typeface="Iskoola Pota"/>
-        <a:font script="Mong" typeface="Mongolian Baiti"/>
-        <a:font script="Viet" typeface="Arial"/>
-        <a:font script="Uigh" typeface="Microsoft Uighur"/>
-        <a:font script="Geor" typeface="Sylfaen"/>
-      </a:minorFont>
-    </a:fontScheme>
-    <a:fmtScheme name="Office">
-      <a:fillStyleLst>
-        <a:solidFill>
-          <a:schemeClr val="phClr"/>
-        </a:solidFill>
-        <a:gradFill rotWithShape="1">
-          <a:gsLst>
-            <a:gs pos="0">
-              <a:schemeClr val="phClr">
-                <a:tint val="50000"/>
-                <a:satMod val="300000"/>
-              </a:schemeClr>
-            </a:gs>
-            <a:gs pos="35000">
-              <a:schemeClr val="phClr">
-                <a:tint val="37000"/>
-                <a:satMod val="300000"/>
-              </a:schemeClr>
-            </a:gs>
-            <a:gs pos="100000">
-              <a:schemeClr val="phClr">
-                <a:tint val="15000"/>
-                <a:satMod val="350000"/>
-              </a:schemeClr>
-            </a:gs>
-          </a:gsLst>
-          <a:lin ang="16200000" scaled="1"/>
-        </a:gradFill>
-        <a:gradFill rotWithShape="1">
-          <a:gsLst>
-            <a:gs pos="0">
-              <a:schemeClr val="phClr">
-                <a:tint val="100000"/>
-                <a:shade val="100000"/>
-                <a:satMod val="130000"/>
-              </a:schemeClr>
-            </a:gs>
-            <a:gs pos="100000">
-              <a:schemeClr val="phClr">
-                <a:tint val="50000"/>
-                <a:shade val="100000"/>
-                <a:satMod val="350000"/>
-              </a:schemeClr>
-            </a:gs>
-          </a:gsLst>
-          <a:lin ang="16200000" scaled="0"/>
-        </a:gradFill>
-      </a:fillStyleLst>
-      <a:lnStyleLst>
-        <a:ln w="9525" cap="flat" cmpd="sng" algn="ctr">
-          <a:solidFill>
-            <a:schemeClr val="phClr">
-              <a:shade val="95000"/>
-              <a:satMod val="105000"/>
-            </a:schemeClr>
-          </a:solidFill>
-          <a:prstDash val="solid"/>
-        </a:ln>
-        <a:ln w="25400" cap="flat" cmpd="sng" algn="ctr">
-          <a:solidFill>
-            <a:schemeClr val="phClr"/>
-          </a:solidFill>
-          <a:prstDash val="solid"/>
-        </a:ln>
-        <a:ln w="38100" cap="flat" cmpd="sng" algn="ctr">
-          <a:solidFill>
-            <a:schemeClr val="phClr"/>
-          </a:solidFill>
-          <a:prstDash val="solid"/>
-        </a:ln>
-      </a:lnStyleLst>
-      <a:effectStyleLst>
-        <a:effectStyle>
-          <a:effectLst>
-            <a:outerShdw blurRad="40000" dist="20000" dir="5400000" rotWithShape="0">
-              <a:srgbClr val="000000">
-                <a:alpha val="38000"/>
-              </a:srgbClr>
-            </a:outerShdw>
-          </a:effectLst>
-        </a:effectStyle>
-        <a:effectStyle>
-          <a:effectLst>
-            <a:outerShdw blurRad="40000" dist="23000" dir="5400000" rotWithShape="0">
-              <a:srgbClr val="000000">
-                <a:alpha val="35000"/>
-              </a:srgbClr>
-            </a:outerShdw>
-          </a:effectLst>
-        </a:effectStyle>
-        <a:effectStyle>
-          <a:effectLst>
-            <a:outerShdw blurRad="40000" dist="23000" dir="5400000" rotWithShape="0">
-              <a:srgbClr val="000000">
-                <a:alpha val="35000"/>
-              </a:srgbClr>
-            </a:outerShdw>
-          </a:effectLst>
-          <a:scene3d>
-            <a:camera prst="orthographicFront">
-              <a:rot lat="0" lon="0" rev="0"/>
-            </a:camera>
-            <a:lightRig rig="threePt" dir="t">
-              <a:rot lat="0" lon="0" rev="1200000"/>
-            </a:lightRig>
-          </a:scene3d>
-          <a:sp3d>
-            <a:bevelT w="63500" h="25400"/>
-          </a:sp3d>
-        </a:effectStyle>
-      </a:effectStyleLst>
-      <a:bgFillStyleLst>
-        <a:solidFill>
-          <a:schemeClr val="phClr"/>
-        </a:solidFill>
-        <a:gradFill rotWithShape="1">
-          <a:gsLst>
-            <a:gs pos="0">
-              <a:schemeClr val="phClr">
-                <a:tint val="40000"/>
-                <a:satMod val="350000"/>
-              </a:schemeClr>
-            </a:gs>
-            <a:gs pos="40000">
-              <a:schemeClr val="phClr">
-                <a:tint val="45000"/>
-                <a:shade val="99000"/>
-                <a:satMod val="350000"/>
-              </a:schemeClr>
-            </a:gs>
-            <a:gs pos="100000">
-              <a:schemeClr val="phClr">
-                <a:shade val="20000"/>
-                <a:satMod val="255000"/>
-              </a:schemeClr>
-            </a:gs>
-          </a:gsLst>
-          <a:path path="circle">
-            <a:fillToRect l="50000" t="-80000" r="50000" b="180000"/>
-          </a:path>
-        </a:gradFill>
-        <a:gradFill rotWithShape="1">
-          <a:gsLst>
-            <a:gs pos="0">
-              <a:schemeClr val="phClr">
-                <a:tint val="80000"/>
-                <a:satMod val="300000"/>
-              </a:schemeClr>
-            </a:gs>
-            <a:gs pos="100000">
-              <a:schemeClr val="phClr">
-                <a:shade val="30000"/>
-                <a:satMod val="200000"/>
-              </a:schemeClr>
-            </a:gs>
-          </a:gsLst>
-          <a:path path="circle">
-            <a:fillToRect l="50000" t="50000" r="50000" b="50000"/>
-          </a:path>
-        </a:gradFill>
-      </a:bgFillStyleLst>
-    </a:fmtScheme>
-  </a:themeElements>
-</a:theme>
 </file>
--- a/Presentación zapatillas Crossfit.pptx
+++ b/Presentación zapatillas Crossfit.pptx
@@ -7026,9 +7026,14 @@
   <p:cSld>
     <p:bg>
       <p:bgPr>
-        <a:solidFill>
-          <a:schemeClr val="accent5"/>
-        </a:solidFill>
+        <a:blipFill>
+          <a:blip r:embed="rId3">
+            <a:alphaModFix/>
+          </a:blip>
+          <a:stretch>
+            <a:fillRect/>
+          </a:stretch>
+        </a:blipFill>
       </p:bgPr>
     </p:bg>
     <p:spTree>
@@ -7055,7 +7060,7 @@
         </p:nvSpPr>
         <p:spPr>
           <a:xfrm>
-            <a:off x="671258" y="990800"/>
+            <a:off x="718233" y="427100"/>
             <a:ext cx="7801500" cy="1730100"/>
           </a:xfrm>
           <a:prstGeom prst="rect">
@@ -7080,7 +7085,7 @@
             <a:r>
               <a:rPr lang="es-419">
                 <a:solidFill>
-                  <a:schemeClr val="lt1"/>
+                  <a:schemeClr val="accent5"/>
                 </a:solidFill>
               </a:rPr>
               <a:t>Análisis</a:t>
@@ -7088,14 +7093,38 @@
             <a:r>
               <a:rPr lang="es-419">
                 <a:solidFill>
-                  <a:schemeClr val="lt1"/>
+                  <a:schemeClr val="accent5"/>
                 </a:solidFill>
               </a:rPr>
               <a:t> de Zapatillas de Crossfit</a:t>
             </a:r>
             <a:endParaRPr>
               <a:solidFill>
-                <a:schemeClr val="lt1"/>
+                <a:schemeClr val="accent5"/>
+              </a:solidFill>
+            </a:endParaRPr>
+          </a:p>
+          <a:p>
+            <a:pPr indent="0" lvl="0" marL="0" rtl="0" algn="ctr">
+              <a:spcBef>
+                <a:spcPts val="0"/>
+              </a:spcBef>
+              <a:spcAft>
+                <a:spcPts val="0"/>
+              </a:spcAft>
+              <a:buNone/>
+            </a:pPr>
+            <a:r>
+              <a:rPr lang="es-419">
+                <a:solidFill>
+                  <a:schemeClr val="accent5"/>
+                </a:solidFill>
+              </a:rPr>
+              <a:t>del Año 2023</a:t>
+            </a:r>
+            <a:endParaRPr>
+              <a:solidFill>
+                <a:schemeClr val="accent5"/>
               </a:solidFill>
             </a:endParaRPr>
           </a:p>
@@ -7111,8 +7140,8 @@
         </p:nvSpPr>
         <p:spPr>
           <a:xfrm>
-            <a:off x="671250" y="3174876"/>
-            <a:ext cx="7801500" cy="792600"/>
+            <a:off x="3783625" y="4577400"/>
+            <a:ext cx="5652000" cy="566100"/>
           </a:xfrm>
           <a:prstGeom prst="rect">
             <a:avLst/>
@@ -7136,14 +7165,14 @@
             <a:r>
               <a:rPr lang="es-419">
                 <a:solidFill>
-                  <a:schemeClr val="lt1"/>
+                  <a:schemeClr val="accent5"/>
                 </a:solidFill>
               </a:rPr>
               <a:t>22 de noviembre de 2024</a:t>
             </a:r>
             <a:endParaRPr>
               <a:solidFill>
-                <a:schemeClr val="lt1"/>
+                <a:schemeClr val="accent5"/>
               </a:solidFill>
             </a:endParaRPr>
           </a:p>
@@ -7157,17 +7186,15 @@
         </p:nvSpPr>
         <p:spPr>
           <a:xfrm>
-            <a:off x="6813375" y="4103050"/>
-            <a:ext cx="1972800" cy="792600"/>
+            <a:off x="331150" y="4173500"/>
+            <a:ext cx="2783100" cy="728100"/>
           </a:xfrm>
           <a:prstGeom prst="roundRect">
             <a:avLst>
               <a:gd fmla="val 16667" name="adj"/>
             </a:avLst>
           </a:prstGeom>
-          <a:solidFill>
-            <a:schemeClr val="lt1"/>
-          </a:solidFill>
+          <a:noFill/>
           <a:ln cap="flat" cmpd="sng" w="9525">
             <a:solidFill>
               <a:schemeClr val="dk2"/>
@@ -7203,7 +7230,7 @@
                 <a:cs typeface="Average"/>
                 <a:sym typeface="Average"/>
               </a:rPr>
-              <a:t>Autor: Esteban Cristos Muzzupappa</a:t>
+              <a:t>Elaborado por Esteban Cristos Muzzupappa</a:t>
             </a:r>
             <a:endParaRPr>
               <a:solidFill>
